--- a/02_DockerSystemC.pptx
+++ b/02_DockerSystemC.pptx
@@ -225,7 +225,7 @@
             <a:fld id="{6837EDA8-41C8-4B24-A206-13C08A65A6D7}" type="datetimeFigureOut">
               <a:rPr lang="zh-TW" altLang="en-US" smtClean="0"/>
               <a:pPr/>
-              <a:t>2022/9/18</a:t>
+              <a:t>2022/9/23</a:t>
             </a:fld>
             <a:endParaRPr lang="zh-TW" altLang="en-US"/>
           </a:p>
@@ -678,7 +678,7 @@
             <a:fld id="{8B85509C-BD4F-47BF-9B1E-FC2E949B3621}" type="datetime1">
               <a:rPr lang="zh-TW" altLang="en-US" smtClean="0"/>
               <a:pPr/>
-              <a:t>2022/9/18</a:t>
+              <a:t>2022/9/23</a:t>
             </a:fld>
             <a:endParaRPr lang="zh-TW" altLang="en-US"/>
           </a:p>
@@ -851,7 +851,7 @@
             <a:fld id="{42251B24-F787-4C15-8A0F-7AEC20C70069}" type="datetime1">
               <a:rPr lang="zh-TW" altLang="en-US" smtClean="0"/>
               <a:pPr/>
-              <a:t>2022/9/18</a:t>
+              <a:t>2022/9/23</a:t>
             </a:fld>
             <a:endParaRPr lang="zh-TW" altLang="en-US"/>
           </a:p>
@@ -1026,7 +1026,7 @@
             <a:fld id="{9CA0D33C-CE2B-45F1-B8D4-FFD1F131F331}" type="datetime1">
               <a:rPr lang="zh-TW" altLang="en-US" smtClean="0"/>
               <a:pPr/>
-              <a:t>2022/9/18</a:t>
+              <a:t>2022/9/23</a:t>
             </a:fld>
             <a:endParaRPr lang="zh-TW" altLang="en-US"/>
           </a:p>
@@ -1191,7 +1191,7 @@
             <a:fld id="{50B99440-D9EF-40CC-9B52-F6428D9B2C76}" type="datetime1">
               <a:rPr lang="zh-TW" altLang="en-US" smtClean="0"/>
               <a:pPr/>
-              <a:t>2022/9/18</a:t>
+              <a:t>2022/9/23</a:t>
             </a:fld>
             <a:endParaRPr lang="zh-TW" altLang="en-US"/>
           </a:p>
@@ -1433,7 +1433,7 @@
             <a:fld id="{0871BF52-5C6C-4959-8E27-CECB68D39FE4}" type="datetime1">
               <a:rPr lang="zh-TW" altLang="en-US" smtClean="0"/>
               <a:pPr/>
-              <a:t>2022/9/18</a:t>
+              <a:t>2022/9/23</a:t>
             </a:fld>
             <a:endParaRPr lang="zh-TW" altLang="en-US"/>
           </a:p>
@@ -1715,7 +1715,7 @@
             <a:fld id="{DF863F05-2DD9-4EB1-A827-12FD992DE9DC}" type="datetime1">
               <a:rPr lang="zh-TW" altLang="en-US" smtClean="0"/>
               <a:pPr/>
-              <a:t>2022/9/18</a:t>
+              <a:t>2022/9/23</a:t>
             </a:fld>
             <a:endParaRPr lang="zh-TW" altLang="en-US"/>
           </a:p>
@@ -2131,7 +2131,7 @@
             <a:fld id="{6339AF51-4491-4873-A096-75DB6CE47516}" type="datetime1">
               <a:rPr lang="zh-TW" altLang="en-US" smtClean="0"/>
               <a:pPr/>
-              <a:t>2022/9/18</a:t>
+              <a:t>2022/9/23</a:t>
             </a:fld>
             <a:endParaRPr lang="zh-TW" altLang="en-US"/>
           </a:p>
@@ -2245,7 +2245,7 @@
             <a:fld id="{EE4AD9C8-8B9E-40FF-ABE2-858AC2057BBB}" type="datetime1">
               <a:rPr lang="zh-TW" altLang="en-US" smtClean="0"/>
               <a:pPr/>
-              <a:t>2022/9/18</a:t>
+              <a:t>2022/9/23</a:t>
             </a:fld>
             <a:endParaRPr lang="zh-TW" altLang="en-US"/>
           </a:p>
@@ -2337,7 +2337,7 @@
             <a:fld id="{B4784999-BBBE-4BE4-A8D0-877E7D1D66CC}" type="datetime1">
               <a:rPr lang="zh-TW" altLang="en-US" smtClean="0"/>
               <a:pPr/>
-              <a:t>2022/9/18</a:t>
+              <a:t>2022/9/23</a:t>
             </a:fld>
             <a:endParaRPr lang="zh-TW" altLang="en-US"/>
           </a:p>
@@ -2609,7 +2609,7 @@
             <a:fld id="{E88D17E6-02BD-4944-B9FE-7BFCCBF83D48}" type="datetime1">
               <a:rPr lang="zh-TW" altLang="en-US" smtClean="0"/>
               <a:pPr/>
-              <a:t>2022/9/18</a:t>
+              <a:t>2022/9/23</a:t>
             </a:fld>
             <a:endParaRPr lang="zh-TW" altLang="en-US"/>
           </a:p>
@@ -2858,7 +2858,7 @@
             <a:fld id="{3C13E23D-1FEF-4D78-A3A3-3D6F2BB31954}" type="datetime1">
               <a:rPr lang="zh-TW" altLang="en-US" smtClean="0"/>
               <a:pPr/>
-              <a:t>2022/9/18</a:t>
+              <a:t>2022/9/23</a:t>
             </a:fld>
             <a:endParaRPr lang="zh-TW" altLang="en-US"/>
           </a:p>
@@ -3066,7 +3066,7 @@
             <a:fld id="{06197F35-AD6F-4594-8B50-334492D2E7E8}" type="datetime1">
               <a:rPr lang="zh-TW" altLang="en-US" smtClean="0"/>
               <a:pPr/>
-              <a:t>2022/9/18</a:t>
+              <a:t>2022/9/23</a:t>
             </a:fld>
             <a:endParaRPr lang="zh-TW" altLang="en-US"/>
           </a:p>
@@ -3527,7 +3527,7 @@
             <a:fld id="{C389EDC9-19E3-47AC-9C57-C6A24DEA81AD}" type="datetime1">
               <a:rPr lang="zh-TW" altLang="en-US" smtClean="0"/>
               <a:pPr/>
-              <a:t>2022/9/18</a:t>
+              <a:t>2022/9/23</a:t>
             </a:fld>
             <a:endParaRPr lang="zh-TW" altLang="en-US"/>
           </a:p>
@@ -3929,7 +3929,7 @@
             <a:fld id="{A4F910E6-8D00-4BAF-8C48-9688E0B449D3}" type="datetime1">
               <a:rPr lang="zh-TW" altLang="en-US" smtClean="0"/>
               <a:pPr/>
-              <a:t>2022/9/18</a:t>
+              <a:t>2022/9/23</a:t>
             </a:fld>
             <a:endParaRPr lang="zh-TW" altLang="en-US"/>
           </a:p>
@@ -4546,7 +4546,7 @@
             <a:fld id="{A4F910E6-8D00-4BAF-8C48-9688E0B449D3}" type="datetime1">
               <a:rPr lang="zh-TW" altLang="en-US" smtClean="0"/>
               <a:pPr/>
-              <a:t>2022/9/18</a:t>
+              <a:t>2022/9/23</a:t>
             </a:fld>
             <a:endParaRPr lang="zh-TW" altLang="en-US"/>
           </a:p>
@@ -4733,7 +4733,7 @@
             <a:fld id="{C389EDC9-19E3-47AC-9C57-C6A24DEA81AD}" type="datetime1">
               <a:rPr lang="zh-TW" altLang="en-US" smtClean="0"/>
               <a:pPr/>
-              <a:t>2022/9/18</a:t>
+              <a:t>2022/9/23</a:t>
             </a:fld>
             <a:endParaRPr lang="zh-TW" altLang="en-US"/>
           </a:p>
@@ -4918,7 +4918,7 @@
         <p:spPr>
           <a:xfrm>
             <a:off x="467543" y="1412776"/>
-            <a:ext cx="8064897" cy="1080120"/>
+            <a:ext cx="8064897" cy="1296144"/>
           </a:xfrm>
           <a:ln>
             <a:solidFill>
@@ -4966,6 +4966,30 @@
               </a:rPr>
               <a:t>Inside of vi editor, we can use VS Code Editor for docker container.</a:t>
             </a:r>
+          </a:p>
+          <a:p>
+            <a:pPr marL="342900" indent="-342900" algn="l">
+              <a:buClr>
+                <a:srgbClr val="0070C0"/>
+              </a:buClr>
+              <a:buSzPct val="80000"/>
+              <a:buFont typeface="Wingdings" pitchFamily="2" charset="2"/>
+              <a:buChar char="u"/>
+            </a:pPr>
+            <a:r>
+              <a:rPr lang="en-US" sz="1800" dirty="0">
+                <a:solidFill>
+                  <a:schemeClr val="tx1"/>
+                </a:solidFill>
+                <a:hlinkClick r:id="rId2"/>
+              </a:rPr>
+              <a:t>https://code.visualstudio.com/docs/remote/containers</a:t>
+            </a:r>
+            <a:endParaRPr lang="en-US" sz="1800" dirty="0">
+              <a:solidFill>
+                <a:schemeClr val="tx1"/>
+              </a:solidFill>
+            </a:endParaRPr>
           </a:p>
           <a:p>
             <a:pPr marL="342900" indent="-342900" algn="l">
@@ -5080,7 +5104,7 @@
             <a:fld id="{A4F910E6-8D00-4BAF-8C48-9688E0B449D3}" type="datetime1">
               <a:rPr lang="zh-TW" altLang="en-US" smtClean="0"/>
               <a:pPr/>
-              <a:t>2022/9/18</a:t>
+              <a:t>2022/9/23</a:t>
             </a:fld>
             <a:endParaRPr lang="zh-TW" altLang="en-US"/>
           </a:p>
@@ -5138,12 +5162,12 @@
           <a:graphicData uri="http://schemas.openxmlformats.org/presentationml/2006/ole">
             <mc:AlternateContent xmlns:mc="http://schemas.openxmlformats.org/markup-compatibility/2006">
               <mc:Choice xmlns:v="urn:schemas-microsoft-com:vml" Requires="v">
-                <p:oleObj name="Bitmap Image" r:id="rId2" imgW="7353360" imgH="3200400" progId="PBrush">
+                <p:oleObj name="Bitmap Image" r:id="rId3" imgW="7353360" imgH="3200400" progId="PBrush">
                   <p:embed/>
                 </p:oleObj>
               </mc:Choice>
               <mc:Fallback>
-                <p:oleObj name="Bitmap Image" r:id="rId2" imgW="7353360" imgH="3200400" progId="PBrush">
+                <p:oleObj name="Bitmap Image" r:id="rId3" imgW="7353360" imgH="3200400" progId="PBrush">
                   <p:embed/>
                   <p:pic>
                     <p:nvPicPr>
@@ -5152,7 +5176,7 @@
                       <p:nvPr/>
                     </p:nvPicPr>
                     <p:blipFill>
-                      <a:blip r:embed="rId3"/>
+                      <a:blip r:embed="rId4"/>
                       <a:stretch>
                         <a:fillRect/>
                       </a:stretch>
@@ -5430,7 +5454,7 @@
             <a:fld id="{A4F910E6-8D00-4BAF-8C48-9688E0B449D3}" type="datetime1">
               <a:rPr lang="zh-TW" altLang="en-US" smtClean="0"/>
               <a:pPr/>
-              <a:t>2022/9/18</a:t>
+              <a:t>2022/9/23</a:t>
             </a:fld>
             <a:endParaRPr lang="zh-TW" altLang="en-US"/>
           </a:p>
@@ -5617,7 +5641,7 @@
             <a:fld id="{C389EDC9-19E3-47AC-9C57-C6A24DEA81AD}" type="datetime1">
               <a:rPr lang="zh-TW" altLang="en-US" smtClean="0"/>
               <a:pPr/>
-              <a:t>2022/9/18</a:t>
+              <a:t>2022/9/23</a:t>
             </a:fld>
             <a:endParaRPr lang="zh-TW" altLang="en-US"/>
           </a:p>
@@ -6150,7 +6174,7 @@
             <a:fld id="{A4F910E6-8D00-4BAF-8C48-9688E0B449D3}" type="datetime1">
               <a:rPr lang="zh-TW" altLang="en-US" smtClean="0"/>
               <a:pPr/>
-              <a:t>2022/9/18</a:t>
+              <a:t>2022/9/23</a:t>
             </a:fld>
             <a:endParaRPr lang="zh-TW" altLang="en-US"/>
           </a:p>
@@ -6292,7 +6316,7 @@
             <a:fld id="{4E46BE27-E923-4EC2-B046-3272AE2A3E5C}" type="datetime1">
               <a:rPr lang="zh-TW" altLang="en-US" smtClean="0"/>
               <a:pPr/>
-              <a:t>2022/9/18</a:t>
+              <a:t>2022/9/23</a:t>
             </a:fld>
             <a:endParaRPr lang="zh-TW" altLang="en-US"/>
           </a:p>
@@ -6647,7 +6671,7 @@
             <a:fld id="{A4F910E6-8D00-4BAF-8C48-9688E0B449D3}" type="datetime1">
               <a:rPr lang="zh-TW" altLang="en-US" smtClean="0"/>
               <a:pPr/>
-              <a:t>2022/9/18</a:t>
+              <a:t>2022/9/23</a:t>
             </a:fld>
             <a:endParaRPr lang="zh-TW" altLang="en-US"/>
           </a:p>
@@ -7057,7 +7081,7 @@
             <a:fld id="{A4F910E6-8D00-4BAF-8C48-9688E0B449D3}" type="datetime1">
               <a:rPr lang="zh-TW" altLang="en-US" smtClean="0"/>
               <a:pPr/>
-              <a:t>2022/9/18</a:t>
+              <a:t>2022/9/23</a:t>
             </a:fld>
             <a:endParaRPr lang="zh-TW" altLang="en-US"/>
           </a:p>
@@ -7250,7 +7274,7 @@
             <a:fld id="{C389EDC9-19E3-47AC-9C57-C6A24DEA81AD}" type="datetime1">
               <a:rPr lang="zh-TW" altLang="en-US" smtClean="0"/>
               <a:pPr/>
-              <a:t>2022/9/18</a:t>
+              <a:t>2022/9/23</a:t>
             </a:fld>
             <a:endParaRPr lang="zh-TW" altLang="en-US"/>
           </a:p>
@@ -7621,7 +7645,7 @@
             <a:fld id="{A4F910E6-8D00-4BAF-8C48-9688E0B449D3}" type="datetime1">
               <a:rPr lang="zh-TW" altLang="en-US" smtClean="0"/>
               <a:pPr/>
-              <a:t>2022/9/18</a:t>
+              <a:t>2022/9/23</a:t>
             </a:fld>
             <a:endParaRPr lang="zh-TW" altLang="en-US"/>
           </a:p>
@@ -8013,7 +8037,7 @@
             <a:fld id="{A4F910E6-8D00-4BAF-8C48-9688E0B449D3}" type="datetime1">
               <a:rPr lang="zh-TW" altLang="en-US" smtClean="0"/>
               <a:pPr/>
-              <a:t>2022/9/18</a:t>
+              <a:t>2022/9/23</a:t>
             </a:fld>
             <a:endParaRPr lang="zh-TW" altLang="en-US"/>
           </a:p>
@@ -8252,7 +8276,7 @@
             <a:fld id="{C389EDC9-19E3-47AC-9C57-C6A24DEA81AD}" type="datetime1">
               <a:rPr lang="zh-TW" altLang="en-US" smtClean="0"/>
               <a:pPr/>
-              <a:t>2022/9/18</a:t>
+              <a:t>2022/9/23</a:t>
             </a:fld>
             <a:endParaRPr lang="zh-TW" altLang="en-US"/>
           </a:p>
@@ -8713,7 +8737,7 @@
             <a:fld id="{A4F910E6-8D00-4BAF-8C48-9688E0B449D3}" type="datetime1">
               <a:rPr lang="zh-TW" altLang="en-US" smtClean="0"/>
               <a:pPr/>
-              <a:t>2022/9/18</a:t>
+              <a:t>2022/9/23</a:t>
             </a:fld>
             <a:endParaRPr lang="zh-TW" altLang="en-US"/>
           </a:p>
@@ -8900,7 +8924,7 @@
             <a:fld id="{C389EDC9-19E3-47AC-9C57-C6A24DEA81AD}" type="datetime1">
               <a:rPr lang="zh-TW" altLang="en-US" smtClean="0"/>
               <a:pPr/>
-              <a:t>2022/9/18</a:t>
+              <a:t>2022/9/23</a:t>
             </a:fld>
             <a:endParaRPr lang="zh-TW" altLang="en-US"/>
           </a:p>
